--- a/ppt 16-9/1275.读经祷告.pptx
+++ b/ppt 16-9/1275.读经祷告.pptx
@@ -5,7 +5,7 @@
     <p:sldMasterId id="2147483648" r:id="rId1"/>
   </p:sldMasterIdLst>
   <p:sldIdLst>
-    <p:sldId id="824" r:id="rId2"/>
+    <p:sldId id="825" r:id="rId2"/>
   </p:sldIdLst>
   <p:sldSz cx="12192000" cy="6858000"/>
   <p:notesSz cx="6858000" cy="9144000"/>
@@ -129,7 +129,7 @@
           <p:cNvPr id="2" name="标题 1">
             <a:extLst>
               <a:ext uri="{FF2B5EF4-FFF2-40B4-BE49-F238E27FC236}">
-                <a16:creationId xmlns:a16="http://schemas.microsoft.com/office/drawing/2014/main" id="{FEB1333B-83CA-CC22-B535-A909A8C31760}"/>
+                <a16:creationId xmlns:a16="http://schemas.microsoft.com/office/drawing/2014/main" id="{E656E978-52B0-DAF7-ADBC-CE72293DE4B6}"/>
               </a:ext>
             </a:extLst>
           </p:cNvPr>
@@ -166,7 +166,7 @@
           <p:cNvPr id="3" name="副标题 2">
             <a:extLst>
               <a:ext uri="{FF2B5EF4-FFF2-40B4-BE49-F238E27FC236}">
-                <a16:creationId xmlns:a16="http://schemas.microsoft.com/office/drawing/2014/main" id="{30DE564A-CF29-F0F6-4315-77E3CFE48482}"/>
+                <a16:creationId xmlns:a16="http://schemas.microsoft.com/office/drawing/2014/main" id="{49185B4C-C4D6-5498-D2F7-5262D8E2EE8D}"/>
               </a:ext>
             </a:extLst>
           </p:cNvPr>
@@ -236,7 +236,7 @@
           <p:cNvPr id="4" name="日期占位符 3">
             <a:extLst>
               <a:ext uri="{FF2B5EF4-FFF2-40B4-BE49-F238E27FC236}">
-                <a16:creationId xmlns:a16="http://schemas.microsoft.com/office/drawing/2014/main" id="{11B65B87-45B7-12F9-3D7E-C93C55FD3356}"/>
+                <a16:creationId xmlns:a16="http://schemas.microsoft.com/office/drawing/2014/main" id="{09D9B4FC-64CD-534B-47A4-4AD6C3DA40D3}"/>
               </a:ext>
             </a:extLst>
           </p:cNvPr>
@@ -252,7 +252,7 @@
           <a:bodyPr/>
           <a:lstStyle/>
           <a:p>
-            <a:fld id="{09A170BD-D666-46CD-8061-868587B585D7}" type="datetimeFigureOut">
+            <a:fld id="{DCB9E4AD-E181-4CCC-9D3D-7547D80CD2D7}" type="datetimeFigureOut">
               <a:rPr lang="zh-CN" altLang="en-US" smtClean="0"/>
               <a:t>2024/3/10</a:t>
             </a:fld>
@@ -265,7 +265,7 @@
           <p:cNvPr id="5" name="页脚占位符 4">
             <a:extLst>
               <a:ext uri="{FF2B5EF4-FFF2-40B4-BE49-F238E27FC236}">
-                <a16:creationId xmlns:a16="http://schemas.microsoft.com/office/drawing/2014/main" id="{8B85BDDA-C5A3-657F-342F-924A21CFE0EF}"/>
+                <a16:creationId xmlns:a16="http://schemas.microsoft.com/office/drawing/2014/main" id="{128CEB2B-1B3A-8FDB-393F-66AC6E7D5208}"/>
               </a:ext>
             </a:extLst>
           </p:cNvPr>
@@ -290,7 +290,7 @@
           <p:cNvPr id="6" name="灯片编号占位符 5">
             <a:extLst>
               <a:ext uri="{FF2B5EF4-FFF2-40B4-BE49-F238E27FC236}">
-                <a16:creationId xmlns:a16="http://schemas.microsoft.com/office/drawing/2014/main" id="{79E1B078-D727-AC5F-50A1-3F6A0434B3BA}"/>
+                <a16:creationId xmlns:a16="http://schemas.microsoft.com/office/drawing/2014/main" id="{47C0B474-37B0-D16B-E7A7-21AB24B8D35C}"/>
               </a:ext>
             </a:extLst>
           </p:cNvPr>
@@ -306,7 +306,7 @@
           <a:bodyPr/>
           <a:lstStyle/>
           <a:p>
-            <a:fld id="{995F1E52-9D43-420A-8239-4276EA022BAB}" type="slidenum">
+            <a:fld id="{5E1672E2-6288-41A2-836C-974FB4D37976}" type="slidenum">
               <a:rPr lang="zh-CN" altLang="en-US" smtClean="0"/>
               <a:t>‹#›</a:t>
             </a:fld>
@@ -317,7 +317,7 @@
     </p:spTree>
     <p:extLst>
       <p:ext uri="{BB962C8B-B14F-4D97-AF65-F5344CB8AC3E}">
-        <p14:creationId xmlns:p14="http://schemas.microsoft.com/office/powerpoint/2010/main" val="4172489490"/>
+        <p14:creationId xmlns:p14="http://schemas.microsoft.com/office/powerpoint/2010/main" val="963380951"/>
       </p:ext>
     </p:extLst>
   </p:cSld>
@@ -349,7 +349,7 @@
           <p:cNvPr id="2" name="标题 1">
             <a:extLst>
               <a:ext uri="{FF2B5EF4-FFF2-40B4-BE49-F238E27FC236}">
-                <a16:creationId xmlns:a16="http://schemas.microsoft.com/office/drawing/2014/main" id="{124AF9DD-FF80-D2CF-4C1B-E4780BAC39A1}"/>
+                <a16:creationId xmlns:a16="http://schemas.microsoft.com/office/drawing/2014/main" id="{8553272E-2A31-C051-E5F6-D6F820E4E8BC}"/>
               </a:ext>
             </a:extLst>
           </p:cNvPr>
@@ -377,7 +377,7 @@
           <p:cNvPr id="3" name="竖排文字占位符 2">
             <a:extLst>
               <a:ext uri="{FF2B5EF4-FFF2-40B4-BE49-F238E27FC236}">
-                <a16:creationId xmlns:a16="http://schemas.microsoft.com/office/drawing/2014/main" id="{FA8CB827-4BB6-B899-E0C5-AC9FDA1D6C19}"/>
+                <a16:creationId xmlns:a16="http://schemas.microsoft.com/office/drawing/2014/main" id="{EBF6F2F2-6850-66F8-3ECB-C0B6B8D9D617}"/>
               </a:ext>
             </a:extLst>
           </p:cNvPr>
@@ -434,7 +434,7 @@
           <p:cNvPr id="4" name="日期占位符 3">
             <a:extLst>
               <a:ext uri="{FF2B5EF4-FFF2-40B4-BE49-F238E27FC236}">
-                <a16:creationId xmlns:a16="http://schemas.microsoft.com/office/drawing/2014/main" id="{DE02F2EE-C506-7BD5-7BDF-A3A779239537}"/>
+                <a16:creationId xmlns:a16="http://schemas.microsoft.com/office/drawing/2014/main" id="{457FEA7C-E970-C68F-95A8-5291D6B0142C}"/>
               </a:ext>
             </a:extLst>
           </p:cNvPr>
@@ -450,7 +450,7 @@
           <a:bodyPr/>
           <a:lstStyle/>
           <a:p>
-            <a:fld id="{09A170BD-D666-46CD-8061-868587B585D7}" type="datetimeFigureOut">
+            <a:fld id="{DCB9E4AD-E181-4CCC-9D3D-7547D80CD2D7}" type="datetimeFigureOut">
               <a:rPr lang="zh-CN" altLang="en-US" smtClean="0"/>
               <a:t>2024/3/10</a:t>
             </a:fld>
@@ -463,7 +463,7 @@
           <p:cNvPr id="5" name="页脚占位符 4">
             <a:extLst>
               <a:ext uri="{FF2B5EF4-FFF2-40B4-BE49-F238E27FC236}">
-                <a16:creationId xmlns:a16="http://schemas.microsoft.com/office/drawing/2014/main" id="{62059D54-372D-EAE6-672B-591183FF2365}"/>
+                <a16:creationId xmlns:a16="http://schemas.microsoft.com/office/drawing/2014/main" id="{6FFFD1A0-8720-671F-2DE8-4C45A4354372}"/>
               </a:ext>
             </a:extLst>
           </p:cNvPr>
@@ -488,7 +488,7 @@
           <p:cNvPr id="6" name="灯片编号占位符 5">
             <a:extLst>
               <a:ext uri="{FF2B5EF4-FFF2-40B4-BE49-F238E27FC236}">
-                <a16:creationId xmlns:a16="http://schemas.microsoft.com/office/drawing/2014/main" id="{1F089685-1667-246A-6E14-6A1F11F595B4}"/>
+                <a16:creationId xmlns:a16="http://schemas.microsoft.com/office/drawing/2014/main" id="{168454E9-6283-59C6-E365-1475A0377759}"/>
               </a:ext>
             </a:extLst>
           </p:cNvPr>
@@ -504,7 +504,7 @@
           <a:bodyPr/>
           <a:lstStyle/>
           <a:p>
-            <a:fld id="{995F1E52-9D43-420A-8239-4276EA022BAB}" type="slidenum">
+            <a:fld id="{5E1672E2-6288-41A2-836C-974FB4D37976}" type="slidenum">
               <a:rPr lang="zh-CN" altLang="en-US" smtClean="0"/>
               <a:t>‹#›</a:t>
             </a:fld>
@@ -515,7 +515,7 @@
     </p:spTree>
     <p:extLst>
       <p:ext uri="{BB962C8B-B14F-4D97-AF65-F5344CB8AC3E}">
-        <p14:creationId xmlns:p14="http://schemas.microsoft.com/office/powerpoint/2010/main" val="4128253187"/>
+        <p14:creationId xmlns:p14="http://schemas.microsoft.com/office/powerpoint/2010/main" val="582042979"/>
       </p:ext>
     </p:extLst>
   </p:cSld>
@@ -547,7 +547,7 @@
           <p:cNvPr id="2" name="竖排标题 1">
             <a:extLst>
               <a:ext uri="{FF2B5EF4-FFF2-40B4-BE49-F238E27FC236}">
-                <a16:creationId xmlns:a16="http://schemas.microsoft.com/office/drawing/2014/main" id="{62310B46-0EFF-B4D2-9947-37D2D50D3B44}"/>
+                <a16:creationId xmlns:a16="http://schemas.microsoft.com/office/drawing/2014/main" id="{301B849B-214C-C85C-942A-08B0B72B37DC}"/>
               </a:ext>
             </a:extLst>
           </p:cNvPr>
@@ -580,7 +580,7 @@
           <p:cNvPr id="3" name="竖排文字占位符 2">
             <a:extLst>
               <a:ext uri="{FF2B5EF4-FFF2-40B4-BE49-F238E27FC236}">
-                <a16:creationId xmlns:a16="http://schemas.microsoft.com/office/drawing/2014/main" id="{603A70DD-25E8-D41A-1960-3E3143CC2D21}"/>
+                <a16:creationId xmlns:a16="http://schemas.microsoft.com/office/drawing/2014/main" id="{50403E7F-A542-3C15-F4FD-088FC97EE755}"/>
               </a:ext>
             </a:extLst>
           </p:cNvPr>
@@ -642,7 +642,7 @@
           <p:cNvPr id="4" name="日期占位符 3">
             <a:extLst>
               <a:ext uri="{FF2B5EF4-FFF2-40B4-BE49-F238E27FC236}">
-                <a16:creationId xmlns:a16="http://schemas.microsoft.com/office/drawing/2014/main" id="{47B5997D-6A7C-34BA-A44A-D8B0BC33A501}"/>
+                <a16:creationId xmlns:a16="http://schemas.microsoft.com/office/drawing/2014/main" id="{C1BB0034-D5A0-0E18-DCE7-F9175172419E}"/>
               </a:ext>
             </a:extLst>
           </p:cNvPr>
@@ -658,7 +658,7 @@
           <a:bodyPr/>
           <a:lstStyle/>
           <a:p>
-            <a:fld id="{09A170BD-D666-46CD-8061-868587B585D7}" type="datetimeFigureOut">
+            <a:fld id="{DCB9E4AD-E181-4CCC-9D3D-7547D80CD2D7}" type="datetimeFigureOut">
               <a:rPr lang="zh-CN" altLang="en-US" smtClean="0"/>
               <a:t>2024/3/10</a:t>
             </a:fld>
@@ -671,7 +671,7 @@
           <p:cNvPr id="5" name="页脚占位符 4">
             <a:extLst>
               <a:ext uri="{FF2B5EF4-FFF2-40B4-BE49-F238E27FC236}">
-                <a16:creationId xmlns:a16="http://schemas.microsoft.com/office/drawing/2014/main" id="{18E8C3C4-F8BD-E518-C5FC-4EC04809D938}"/>
+                <a16:creationId xmlns:a16="http://schemas.microsoft.com/office/drawing/2014/main" id="{958F858E-2D0D-D2FA-C3FE-7DCD7D4B2544}"/>
               </a:ext>
             </a:extLst>
           </p:cNvPr>
@@ -696,7 +696,7 @@
           <p:cNvPr id="6" name="灯片编号占位符 5">
             <a:extLst>
               <a:ext uri="{FF2B5EF4-FFF2-40B4-BE49-F238E27FC236}">
-                <a16:creationId xmlns:a16="http://schemas.microsoft.com/office/drawing/2014/main" id="{47F741CC-736C-1EC1-BE9F-25C24408A325}"/>
+                <a16:creationId xmlns:a16="http://schemas.microsoft.com/office/drawing/2014/main" id="{89632A52-139F-689E-A120-42C21F76602A}"/>
               </a:ext>
             </a:extLst>
           </p:cNvPr>
@@ -712,7 +712,7 @@
           <a:bodyPr/>
           <a:lstStyle/>
           <a:p>
-            <a:fld id="{995F1E52-9D43-420A-8239-4276EA022BAB}" type="slidenum">
+            <a:fld id="{5E1672E2-6288-41A2-836C-974FB4D37976}" type="slidenum">
               <a:rPr lang="zh-CN" altLang="en-US" smtClean="0"/>
               <a:t>‹#›</a:t>
             </a:fld>
@@ -723,7 +723,7 @@
     </p:spTree>
     <p:extLst>
       <p:ext uri="{BB962C8B-B14F-4D97-AF65-F5344CB8AC3E}">
-        <p14:creationId xmlns:p14="http://schemas.microsoft.com/office/powerpoint/2010/main" val="2553887969"/>
+        <p14:creationId xmlns:p14="http://schemas.microsoft.com/office/powerpoint/2010/main" val="1065472631"/>
       </p:ext>
     </p:extLst>
   </p:cSld>
@@ -755,7 +755,7 @@
           <p:cNvPr id="2" name="标题 1">
             <a:extLst>
               <a:ext uri="{FF2B5EF4-FFF2-40B4-BE49-F238E27FC236}">
-                <a16:creationId xmlns:a16="http://schemas.microsoft.com/office/drawing/2014/main" id="{4B2F9C04-13E9-E1B3-D371-3069155B7F7C}"/>
+                <a16:creationId xmlns:a16="http://schemas.microsoft.com/office/drawing/2014/main" id="{D70EF391-AC99-8F4B-4192-7307A6C406DA}"/>
               </a:ext>
             </a:extLst>
           </p:cNvPr>
@@ -783,7 +783,7 @@
           <p:cNvPr id="3" name="内容占位符 2">
             <a:extLst>
               <a:ext uri="{FF2B5EF4-FFF2-40B4-BE49-F238E27FC236}">
-                <a16:creationId xmlns:a16="http://schemas.microsoft.com/office/drawing/2014/main" id="{422639E2-F2A5-E46D-37D0-B14656EE0B65}"/>
+                <a16:creationId xmlns:a16="http://schemas.microsoft.com/office/drawing/2014/main" id="{8AACD6FD-28B2-3060-35AD-A583B0A876EA}"/>
               </a:ext>
             </a:extLst>
           </p:cNvPr>
@@ -840,7 +840,7 @@
           <p:cNvPr id="4" name="日期占位符 3">
             <a:extLst>
               <a:ext uri="{FF2B5EF4-FFF2-40B4-BE49-F238E27FC236}">
-                <a16:creationId xmlns:a16="http://schemas.microsoft.com/office/drawing/2014/main" id="{A9F45B61-1A08-0832-604D-3928AD5EE81B}"/>
+                <a16:creationId xmlns:a16="http://schemas.microsoft.com/office/drawing/2014/main" id="{10EE6E9A-5968-1343-0B47-8C0F93FD3C56}"/>
               </a:ext>
             </a:extLst>
           </p:cNvPr>
@@ -856,7 +856,7 @@
           <a:bodyPr/>
           <a:lstStyle/>
           <a:p>
-            <a:fld id="{09A170BD-D666-46CD-8061-868587B585D7}" type="datetimeFigureOut">
+            <a:fld id="{DCB9E4AD-E181-4CCC-9D3D-7547D80CD2D7}" type="datetimeFigureOut">
               <a:rPr lang="zh-CN" altLang="en-US" smtClean="0"/>
               <a:t>2024/3/10</a:t>
             </a:fld>
@@ -869,7 +869,7 @@
           <p:cNvPr id="5" name="页脚占位符 4">
             <a:extLst>
               <a:ext uri="{FF2B5EF4-FFF2-40B4-BE49-F238E27FC236}">
-                <a16:creationId xmlns:a16="http://schemas.microsoft.com/office/drawing/2014/main" id="{8E7AE0FC-4A80-DE3E-4E54-DC1F0BCC48E3}"/>
+                <a16:creationId xmlns:a16="http://schemas.microsoft.com/office/drawing/2014/main" id="{184C3B78-73DA-B22E-6F5B-7EABAFF8D574}"/>
               </a:ext>
             </a:extLst>
           </p:cNvPr>
@@ -894,7 +894,7 @@
           <p:cNvPr id="6" name="灯片编号占位符 5">
             <a:extLst>
               <a:ext uri="{FF2B5EF4-FFF2-40B4-BE49-F238E27FC236}">
-                <a16:creationId xmlns:a16="http://schemas.microsoft.com/office/drawing/2014/main" id="{F5A8DE9C-8D1A-DEBA-CD3D-95849C6CC982}"/>
+                <a16:creationId xmlns:a16="http://schemas.microsoft.com/office/drawing/2014/main" id="{67191ED2-F5F2-FC41-6913-D947E240CC50}"/>
               </a:ext>
             </a:extLst>
           </p:cNvPr>
@@ -910,7 +910,7 @@
           <a:bodyPr/>
           <a:lstStyle/>
           <a:p>
-            <a:fld id="{995F1E52-9D43-420A-8239-4276EA022BAB}" type="slidenum">
+            <a:fld id="{5E1672E2-6288-41A2-836C-974FB4D37976}" type="slidenum">
               <a:rPr lang="zh-CN" altLang="en-US" smtClean="0"/>
               <a:t>‹#›</a:t>
             </a:fld>
@@ -921,7 +921,7 @@
     </p:spTree>
     <p:extLst>
       <p:ext uri="{BB962C8B-B14F-4D97-AF65-F5344CB8AC3E}">
-        <p14:creationId xmlns:p14="http://schemas.microsoft.com/office/powerpoint/2010/main" val="3568751263"/>
+        <p14:creationId xmlns:p14="http://schemas.microsoft.com/office/powerpoint/2010/main" val="8950731"/>
       </p:ext>
     </p:extLst>
   </p:cSld>
@@ -953,7 +953,7 @@
           <p:cNvPr id="2" name="标题 1">
             <a:extLst>
               <a:ext uri="{FF2B5EF4-FFF2-40B4-BE49-F238E27FC236}">
-                <a16:creationId xmlns:a16="http://schemas.microsoft.com/office/drawing/2014/main" id="{38E22F86-4B17-0B9C-B6E4-5963C3B07F7A}"/>
+                <a16:creationId xmlns:a16="http://schemas.microsoft.com/office/drawing/2014/main" id="{C442E9E4-0FA0-CA2D-3A21-9DA46B8A823D}"/>
               </a:ext>
             </a:extLst>
           </p:cNvPr>
@@ -990,7 +990,7 @@
           <p:cNvPr id="3" name="文本占位符 2">
             <a:extLst>
               <a:ext uri="{FF2B5EF4-FFF2-40B4-BE49-F238E27FC236}">
-                <a16:creationId xmlns:a16="http://schemas.microsoft.com/office/drawing/2014/main" id="{69EA658E-4157-E516-27AD-A066648DDEE7}"/>
+                <a16:creationId xmlns:a16="http://schemas.microsoft.com/office/drawing/2014/main" id="{12082AEE-6E72-956F-9AB7-B7365D0B4162}"/>
               </a:ext>
             </a:extLst>
           </p:cNvPr>
@@ -1115,7 +1115,7 @@
           <p:cNvPr id="4" name="日期占位符 3">
             <a:extLst>
               <a:ext uri="{FF2B5EF4-FFF2-40B4-BE49-F238E27FC236}">
-                <a16:creationId xmlns:a16="http://schemas.microsoft.com/office/drawing/2014/main" id="{BDF0848D-2AD3-EC7F-3563-31BC83763825}"/>
+                <a16:creationId xmlns:a16="http://schemas.microsoft.com/office/drawing/2014/main" id="{9F495586-389C-F7EB-D336-C7BA86BE98B4}"/>
               </a:ext>
             </a:extLst>
           </p:cNvPr>
@@ -1131,7 +1131,7 @@
           <a:bodyPr/>
           <a:lstStyle/>
           <a:p>
-            <a:fld id="{09A170BD-D666-46CD-8061-868587B585D7}" type="datetimeFigureOut">
+            <a:fld id="{DCB9E4AD-E181-4CCC-9D3D-7547D80CD2D7}" type="datetimeFigureOut">
               <a:rPr lang="zh-CN" altLang="en-US" smtClean="0"/>
               <a:t>2024/3/10</a:t>
             </a:fld>
@@ -1144,7 +1144,7 @@
           <p:cNvPr id="5" name="页脚占位符 4">
             <a:extLst>
               <a:ext uri="{FF2B5EF4-FFF2-40B4-BE49-F238E27FC236}">
-                <a16:creationId xmlns:a16="http://schemas.microsoft.com/office/drawing/2014/main" id="{772368C1-C61C-06A7-F6A3-B408E5C46607}"/>
+                <a16:creationId xmlns:a16="http://schemas.microsoft.com/office/drawing/2014/main" id="{A67A208E-7EFB-A2B0-B211-5A181115F5BE}"/>
               </a:ext>
             </a:extLst>
           </p:cNvPr>
@@ -1169,7 +1169,7 @@
           <p:cNvPr id="6" name="灯片编号占位符 5">
             <a:extLst>
               <a:ext uri="{FF2B5EF4-FFF2-40B4-BE49-F238E27FC236}">
-                <a16:creationId xmlns:a16="http://schemas.microsoft.com/office/drawing/2014/main" id="{A755D3A5-FE4C-AEB3-7FED-E8A65CEA3433}"/>
+                <a16:creationId xmlns:a16="http://schemas.microsoft.com/office/drawing/2014/main" id="{56D4043B-5805-71A6-72BC-773D180E5B82}"/>
               </a:ext>
             </a:extLst>
           </p:cNvPr>
@@ -1185,7 +1185,7 @@
           <a:bodyPr/>
           <a:lstStyle/>
           <a:p>
-            <a:fld id="{995F1E52-9D43-420A-8239-4276EA022BAB}" type="slidenum">
+            <a:fld id="{5E1672E2-6288-41A2-836C-974FB4D37976}" type="slidenum">
               <a:rPr lang="zh-CN" altLang="en-US" smtClean="0"/>
               <a:t>‹#›</a:t>
             </a:fld>
@@ -1196,7 +1196,7 @@
     </p:spTree>
     <p:extLst>
       <p:ext uri="{BB962C8B-B14F-4D97-AF65-F5344CB8AC3E}">
-        <p14:creationId xmlns:p14="http://schemas.microsoft.com/office/powerpoint/2010/main" val="2557407322"/>
+        <p14:creationId xmlns:p14="http://schemas.microsoft.com/office/powerpoint/2010/main" val="2817172644"/>
       </p:ext>
     </p:extLst>
   </p:cSld>
@@ -1228,7 +1228,7 @@
           <p:cNvPr id="2" name="标题 1">
             <a:extLst>
               <a:ext uri="{FF2B5EF4-FFF2-40B4-BE49-F238E27FC236}">
-                <a16:creationId xmlns:a16="http://schemas.microsoft.com/office/drawing/2014/main" id="{C9E2780A-D717-7676-A4D5-DCBE2A034923}"/>
+                <a16:creationId xmlns:a16="http://schemas.microsoft.com/office/drawing/2014/main" id="{14C686EE-3953-90A2-18BD-7C8F235B2829}"/>
               </a:ext>
             </a:extLst>
           </p:cNvPr>
@@ -1256,7 +1256,7 @@
           <p:cNvPr id="3" name="内容占位符 2">
             <a:extLst>
               <a:ext uri="{FF2B5EF4-FFF2-40B4-BE49-F238E27FC236}">
-                <a16:creationId xmlns:a16="http://schemas.microsoft.com/office/drawing/2014/main" id="{DFBF577D-F85E-A854-2C77-287B26A3A6C3}"/>
+                <a16:creationId xmlns:a16="http://schemas.microsoft.com/office/drawing/2014/main" id="{5B8ECD32-70C0-88F5-3F53-70A41DED0D81}"/>
               </a:ext>
             </a:extLst>
           </p:cNvPr>
@@ -1318,7 +1318,7 @@
           <p:cNvPr id="4" name="内容占位符 3">
             <a:extLst>
               <a:ext uri="{FF2B5EF4-FFF2-40B4-BE49-F238E27FC236}">
-                <a16:creationId xmlns:a16="http://schemas.microsoft.com/office/drawing/2014/main" id="{57C28DD3-6A06-41DF-0408-5A0C70A69609}"/>
+                <a16:creationId xmlns:a16="http://schemas.microsoft.com/office/drawing/2014/main" id="{6D2F5BCB-D14F-9212-BB91-0A402292F505}"/>
               </a:ext>
             </a:extLst>
           </p:cNvPr>
@@ -1380,7 +1380,7 @@
           <p:cNvPr id="5" name="日期占位符 4">
             <a:extLst>
               <a:ext uri="{FF2B5EF4-FFF2-40B4-BE49-F238E27FC236}">
-                <a16:creationId xmlns:a16="http://schemas.microsoft.com/office/drawing/2014/main" id="{32712481-7AB2-D3B3-81AF-A97D650A1AD0}"/>
+                <a16:creationId xmlns:a16="http://schemas.microsoft.com/office/drawing/2014/main" id="{77736458-537C-4061-3A29-51C29D348465}"/>
               </a:ext>
             </a:extLst>
           </p:cNvPr>
@@ -1396,7 +1396,7 @@
           <a:bodyPr/>
           <a:lstStyle/>
           <a:p>
-            <a:fld id="{09A170BD-D666-46CD-8061-868587B585D7}" type="datetimeFigureOut">
+            <a:fld id="{DCB9E4AD-E181-4CCC-9D3D-7547D80CD2D7}" type="datetimeFigureOut">
               <a:rPr lang="zh-CN" altLang="en-US" smtClean="0"/>
               <a:t>2024/3/10</a:t>
             </a:fld>
@@ -1409,7 +1409,7 @@
           <p:cNvPr id="6" name="页脚占位符 5">
             <a:extLst>
               <a:ext uri="{FF2B5EF4-FFF2-40B4-BE49-F238E27FC236}">
-                <a16:creationId xmlns:a16="http://schemas.microsoft.com/office/drawing/2014/main" id="{8299F770-CBDB-C2B7-6F12-A2429536381B}"/>
+                <a16:creationId xmlns:a16="http://schemas.microsoft.com/office/drawing/2014/main" id="{48935BEB-CBC4-AB43-25CA-70A3CD6D9983}"/>
               </a:ext>
             </a:extLst>
           </p:cNvPr>
@@ -1434,7 +1434,7 @@
           <p:cNvPr id="7" name="灯片编号占位符 6">
             <a:extLst>
               <a:ext uri="{FF2B5EF4-FFF2-40B4-BE49-F238E27FC236}">
-                <a16:creationId xmlns:a16="http://schemas.microsoft.com/office/drawing/2014/main" id="{7FF0AB3B-44DE-2671-7A62-617A813875E1}"/>
+                <a16:creationId xmlns:a16="http://schemas.microsoft.com/office/drawing/2014/main" id="{E1268905-BDCA-D2BE-95FB-A3C62F21A2F2}"/>
               </a:ext>
             </a:extLst>
           </p:cNvPr>
@@ -1450,7 +1450,7 @@
           <a:bodyPr/>
           <a:lstStyle/>
           <a:p>
-            <a:fld id="{995F1E52-9D43-420A-8239-4276EA022BAB}" type="slidenum">
+            <a:fld id="{5E1672E2-6288-41A2-836C-974FB4D37976}" type="slidenum">
               <a:rPr lang="zh-CN" altLang="en-US" smtClean="0"/>
               <a:t>‹#›</a:t>
             </a:fld>
@@ -1461,7 +1461,7 @@
     </p:spTree>
     <p:extLst>
       <p:ext uri="{BB962C8B-B14F-4D97-AF65-F5344CB8AC3E}">
-        <p14:creationId xmlns:p14="http://schemas.microsoft.com/office/powerpoint/2010/main" val="2826714053"/>
+        <p14:creationId xmlns:p14="http://schemas.microsoft.com/office/powerpoint/2010/main" val="3509764505"/>
       </p:ext>
     </p:extLst>
   </p:cSld>
@@ -1493,7 +1493,7 @@
           <p:cNvPr id="2" name="标题 1">
             <a:extLst>
               <a:ext uri="{FF2B5EF4-FFF2-40B4-BE49-F238E27FC236}">
-                <a16:creationId xmlns:a16="http://schemas.microsoft.com/office/drawing/2014/main" id="{3A76C6F9-7326-B812-47F3-0671B123E499}"/>
+                <a16:creationId xmlns:a16="http://schemas.microsoft.com/office/drawing/2014/main" id="{99432370-038E-EE68-E88E-9950DCCF12AE}"/>
               </a:ext>
             </a:extLst>
           </p:cNvPr>
@@ -1526,7 +1526,7 @@
           <p:cNvPr id="3" name="文本占位符 2">
             <a:extLst>
               <a:ext uri="{FF2B5EF4-FFF2-40B4-BE49-F238E27FC236}">
-                <a16:creationId xmlns:a16="http://schemas.microsoft.com/office/drawing/2014/main" id="{7B965768-9BC7-022D-5AA2-EED7C62711D7}"/>
+                <a16:creationId xmlns:a16="http://schemas.microsoft.com/office/drawing/2014/main" id="{8097E2D9-84EC-D58C-1D8B-E82D3BEC7785}"/>
               </a:ext>
             </a:extLst>
           </p:cNvPr>
@@ -1597,7 +1597,7 @@
           <p:cNvPr id="4" name="内容占位符 3">
             <a:extLst>
               <a:ext uri="{FF2B5EF4-FFF2-40B4-BE49-F238E27FC236}">
-                <a16:creationId xmlns:a16="http://schemas.microsoft.com/office/drawing/2014/main" id="{14E8D26D-89F9-BD3E-02CA-77A4C8315AD2}"/>
+                <a16:creationId xmlns:a16="http://schemas.microsoft.com/office/drawing/2014/main" id="{CB888669-DBB1-5049-63F5-F97FECD438BE}"/>
               </a:ext>
             </a:extLst>
           </p:cNvPr>
@@ -1659,7 +1659,7 @@
           <p:cNvPr id="5" name="文本占位符 4">
             <a:extLst>
               <a:ext uri="{FF2B5EF4-FFF2-40B4-BE49-F238E27FC236}">
-                <a16:creationId xmlns:a16="http://schemas.microsoft.com/office/drawing/2014/main" id="{B9CAB77E-A1D6-11A2-1C76-9102B26E45AE}"/>
+                <a16:creationId xmlns:a16="http://schemas.microsoft.com/office/drawing/2014/main" id="{F5550C9D-6993-A42C-23E3-C75D62B7CC9F}"/>
               </a:ext>
             </a:extLst>
           </p:cNvPr>
@@ -1730,7 +1730,7 @@
           <p:cNvPr id="6" name="内容占位符 5">
             <a:extLst>
               <a:ext uri="{FF2B5EF4-FFF2-40B4-BE49-F238E27FC236}">
-                <a16:creationId xmlns:a16="http://schemas.microsoft.com/office/drawing/2014/main" id="{1833CA94-5390-BD3D-C055-D55EF5F8C0F6}"/>
+                <a16:creationId xmlns:a16="http://schemas.microsoft.com/office/drawing/2014/main" id="{65D3287D-090C-CC7C-F91A-795717FD558B}"/>
               </a:ext>
             </a:extLst>
           </p:cNvPr>
@@ -1792,7 +1792,7 @@
           <p:cNvPr id="7" name="日期占位符 6">
             <a:extLst>
               <a:ext uri="{FF2B5EF4-FFF2-40B4-BE49-F238E27FC236}">
-                <a16:creationId xmlns:a16="http://schemas.microsoft.com/office/drawing/2014/main" id="{82C81E18-DDCF-405A-E442-B47D510F448C}"/>
+                <a16:creationId xmlns:a16="http://schemas.microsoft.com/office/drawing/2014/main" id="{9B19F0B5-945B-0459-5612-7D7C9D34E4E4}"/>
               </a:ext>
             </a:extLst>
           </p:cNvPr>
@@ -1808,7 +1808,7 @@
           <a:bodyPr/>
           <a:lstStyle/>
           <a:p>
-            <a:fld id="{09A170BD-D666-46CD-8061-868587B585D7}" type="datetimeFigureOut">
+            <a:fld id="{DCB9E4AD-E181-4CCC-9D3D-7547D80CD2D7}" type="datetimeFigureOut">
               <a:rPr lang="zh-CN" altLang="en-US" smtClean="0"/>
               <a:t>2024/3/10</a:t>
             </a:fld>
@@ -1821,7 +1821,7 @@
           <p:cNvPr id="8" name="页脚占位符 7">
             <a:extLst>
               <a:ext uri="{FF2B5EF4-FFF2-40B4-BE49-F238E27FC236}">
-                <a16:creationId xmlns:a16="http://schemas.microsoft.com/office/drawing/2014/main" id="{48D644A8-016E-E296-1CC5-6FBFFE52B75F}"/>
+                <a16:creationId xmlns:a16="http://schemas.microsoft.com/office/drawing/2014/main" id="{4E407F34-5F37-7BC5-5244-45C89171AF74}"/>
               </a:ext>
             </a:extLst>
           </p:cNvPr>
@@ -1846,7 +1846,7 @@
           <p:cNvPr id="9" name="灯片编号占位符 8">
             <a:extLst>
               <a:ext uri="{FF2B5EF4-FFF2-40B4-BE49-F238E27FC236}">
-                <a16:creationId xmlns:a16="http://schemas.microsoft.com/office/drawing/2014/main" id="{08EA025D-B5B5-EEBE-924F-EBA5433FDF8F}"/>
+                <a16:creationId xmlns:a16="http://schemas.microsoft.com/office/drawing/2014/main" id="{C4126700-60BD-45D8-4805-74CB7CBA0A1C}"/>
               </a:ext>
             </a:extLst>
           </p:cNvPr>
@@ -1862,7 +1862,7 @@
           <a:bodyPr/>
           <a:lstStyle/>
           <a:p>
-            <a:fld id="{995F1E52-9D43-420A-8239-4276EA022BAB}" type="slidenum">
+            <a:fld id="{5E1672E2-6288-41A2-836C-974FB4D37976}" type="slidenum">
               <a:rPr lang="zh-CN" altLang="en-US" smtClean="0"/>
               <a:t>‹#›</a:t>
             </a:fld>
@@ -1873,7 +1873,7 @@
     </p:spTree>
     <p:extLst>
       <p:ext uri="{BB962C8B-B14F-4D97-AF65-F5344CB8AC3E}">
-        <p14:creationId xmlns:p14="http://schemas.microsoft.com/office/powerpoint/2010/main" val="3360347814"/>
+        <p14:creationId xmlns:p14="http://schemas.microsoft.com/office/powerpoint/2010/main" val="1739745928"/>
       </p:ext>
     </p:extLst>
   </p:cSld>
@@ -1905,7 +1905,7 @@
           <p:cNvPr id="2" name="标题 1">
             <a:extLst>
               <a:ext uri="{FF2B5EF4-FFF2-40B4-BE49-F238E27FC236}">
-                <a16:creationId xmlns:a16="http://schemas.microsoft.com/office/drawing/2014/main" id="{17FFE04D-5B10-667E-2552-6A1A17A3B86F}"/>
+                <a16:creationId xmlns:a16="http://schemas.microsoft.com/office/drawing/2014/main" id="{0CB4D464-7CF4-CC70-B5FE-4333154D3CD7}"/>
               </a:ext>
             </a:extLst>
           </p:cNvPr>
@@ -1933,7 +1933,7 @@
           <p:cNvPr id="3" name="日期占位符 2">
             <a:extLst>
               <a:ext uri="{FF2B5EF4-FFF2-40B4-BE49-F238E27FC236}">
-                <a16:creationId xmlns:a16="http://schemas.microsoft.com/office/drawing/2014/main" id="{A00BD634-9980-9CC5-6164-F3E6C015D51F}"/>
+                <a16:creationId xmlns:a16="http://schemas.microsoft.com/office/drawing/2014/main" id="{353ADEC8-6832-6223-BA8B-9124C162CC44}"/>
               </a:ext>
             </a:extLst>
           </p:cNvPr>
@@ -1949,7 +1949,7 @@
           <a:bodyPr/>
           <a:lstStyle/>
           <a:p>
-            <a:fld id="{09A170BD-D666-46CD-8061-868587B585D7}" type="datetimeFigureOut">
+            <a:fld id="{DCB9E4AD-E181-4CCC-9D3D-7547D80CD2D7}" type="datetimeFigureOut">
               <a:rPr lang="zh-CN" altLang="en-US" smtClean="0"/>
               <a:t>2024/3/10</a:t>
             </a:fld>
@@ -1962,7 +1962,7 @@
           <p:cNvPr id="4" name="页脚占位符 3">
             <a:extLst>
               <a:ext uri="{FF2B5EF4-FFF2-40B4-BE49-F238E27FC236}">
-                <a16:creationId xmlns:a16="http://schemas.microsoft.com/office/drawing/2014/main" id="{383EFB13-61C0-5AA2-D8D7-4CEE411AF34E}"/>
+                <a16:creationId xmlns:a16="http://schemas.microsoft.com/office/drawing/2014/main" id="{2C41CAAB-9192-6500-9A2D-726D459785DF}"/>
               </a:ext>
             </a:extLst>
           </p:cNvPr>
@@ -1987,7 +1987,7 @@
           <p:cNvPr id="5" name="灯片编号占位符 4">
             <a:extLst>
               <a:ext uri="{FF2B5EF4-FFF2-40B4-BE49-F238E27FC236}">
-                <a16:creationId xmlns:a16="http://schemas.microsoft.com/office/drawing/2014/main" id="{79E0724F-CE17-7F04-9C8A-213AD014EF4D}"/>
+                <a16:creationId xmlns:a16="http://schemas.microsoft.com/office/drawing/2014/main" id="{C9B18647-1587-72B0-9E61-8D743C325146}"/>
               </a:ext>
             </a:extLst>
           </p:cNvPr>
@@ -2003,7 +2003,7 @@
           <a:bodyPr/>
           <a:lstStyle/>
           <a:p>
-            <a:fld id="{995F1E52-9D43-420A-8239-4276EA022BAB}" type="slidenum">
+            <a:fld id="{5E1672E2-6288-41A2-836C-974FB4D37976}" type="slidenum">
               <a:rPr lang="zh-CN" altLang="en-US" smtClean="0"/>
               <a:t>‹#›</a:t>
             </a:fld>
@@ -2014,7 +2014,7 @@
     </p:spTree>
     <p:extLst>
       <p:ext uri="{BB962C8B-B14F-4D97-AF65-F5344CB8AC3E}">
-        <p14:creationId xmlns:p14="http://schemas.microsoft.com/office/powerpoint/2010/main" val="1987505316"/>
+        <p14:creationId xmlns:p14="http://schemas.microsoft.com/office/powerpoint/2010/main" val="2750651330"/>
       </p:ext>
     </p:extLst>
   </p:cSld>
@@ -2046,7 +2046,7 @@
           <p:cNvPr id="2" name="日期占位符 1">
             <a:extLst>
               <a:ext uri="{FF2B5EF4-FFF2-40B4-BE49-F238E27FC236}">
-                <a16:creationId xmlns:a16="http://schemas.microsoft.com/office/drawing/2014/main" id="{99800EFB-237C-893F-FAED-94A82D0DB935}"/>
+                <a16:creationId xmlns:a16="http://schemas.microsoft.com/office/drawing/2014/main" id="{B37FE1E3-252D-32A8-BBB2-037062E66F48}"/>
               </a:ext>
             </a:extLst>
           </p:cNvPr>
@@ -2062,7 +2062,7 @@
           <a:bodyPr/>
           <a:lstStyle/>
           <a:p>
-            <a:fld id="{09A170BD-D666-46CD-8061-868587B585D7}" type="datetimeFigureOut">
+            <a:fld id="{DCB9E4AD-E181-4CCC-9D3D-7547D80CD2D7}" type="datetimeFigureOut">
               <a:rPr lang="zh-CN" altLang="en-US" smtClean="0"/>
               <a:t>2024/3/10</a:t>
             </a:fld>
@@ -2075,7 +2075,7 @@
           <p:cNvPr id="3" name="页脚占位符 2">
             <a:extLst>
               <a:ext uri="{FF2B5EF4-FFF2-40B4-BE49-F238E27FC236}">
-                <a16:creationId xmlns:a16="http://schemas.microsoft.com/office/drawing/2014/main" id="{2159F27D-9C52-02BE-8E43-8E976D06C567}"/>
+                <a16:creationId xmlns:a16="http://schemas.microsoft.com/office/drawing/2014/main" id="{AEA3CE58-59EF-B128-05BC-4816D1118E81}"/>
               </a:ext>
             </a:extLst>
           </p:cNvPr>
@@ -2100,7 +2100,7 @@
           <p:cNvPr id="4" name="灯片编号占位符 3">
             <a:extLst>
               <a:ext uri="{FF2B5EF4-FFF2-40B4-BE49-F238E27FC236}">
-                <a16:creationId xmlns:a16="http://schemas.microsoft.com/office/drawing/2014/main" id="{0225A68B-D50E-87F5-04BE-7991EF9140E3}"/>
+                <a16:creationId xmlns:a16="http://schemas.microsoft.com/office/drawing/2014/main" id="{00C9E20C-9574-A7C2-4AD2-D3018D267D33}"/>
               </a:ext>
             </a:extLst>
           </p:cNvPr>
@@ -2116,7 +2116,7 @@
           <a:bodyPr/>
           <a:lstStyle/>
           <a:p>
-            <a:fld id="{995F1E52-9D43-420A-8239-4276EA022BAB}" type="slidenum">
+            <a:fld id="{5E1672E2-6288-41A2-836C-974FB4D37976}" type="slidenum">
               <a:rPr lang="zh-CN" altLang="en-US" smtClean="0"/>
               <a:t>‹#›</a:t>
             </a:fld>
@@ -2127,7 +2127,7 @@
     </p:spTree>
     <p:extLst>
       <p:ext uri="{BB962C8B-B14F-4D97-AF65-F5344CB8AC3E}">
-        <p14:creationId xmlns:p14="http://schemas.microsoft.com/office/powerpoint/2010/main" val="3783147968"/>
+        <p14:creationId xmlns:p14="http://schemas.microsoft.com/office/powerpoint/2010/main" val="4229920655"/>
       </p:ext>
     </p:extLst>
   </p:cSld>
@@ -2159,7 +2159,7 @@
           <p:cNvPr id="2" name="标题 1">
             <a:extLst>
               <a:ext uri="{FF2B5EF4-FFF2-40B4-BE49-F238E27FC236}">
-                <a16:creationId xmlns:a16="http://schemas.microsoft.com/office/drawing/2014/main" id="{4525720A-7D29-8B7C-06B7-BCD0122B42D3}"/>
+                <a16:creationId xmlns:a16="http://schemas.microsoft.com/office/drawing/2014/main" id="{96E95904-7F8A-87BB-F6FF-8E23ADECABB4}"/>
               </a:ext>
             </a:extLst>
           </p:cNvPr>
@@ -2196,7 +2196,7 @@
           <p:cNvPr id="3" name="内容占位符 2">
             <a:extLst>
               <a:ext uri="{FF2B5EF4-FFF2-40B4-BE49-F238E27FC236}">
-                <a16:creationId xmlns:a16="http://schemas.microsoft.com/office/drawing/2014/main" id="{A0405C0B-478C-FA01-0A4A-9C997D931574}"/>
+                <a16:creationId xmlns:a16="http://schemas.microsoft.com/office/drawing/2014/main" id="{18F734B2-9198-009F-827A-927D9C469D08}"/>
               </a:ext>
             </a:extLst>
           </p:cNvPr>
@@ -2286,7 +2286,7 @@
           <p:cNvPr id="4" name="文本占位符 3">
             <a:extLst>
               <a:ext uri="{FF2B5EF4-FFF2-40B4-BE49-F238E27FC236}">
-                <a16:creationId xmlns:a16="http://schemas.microsoft.com/office/drawing/2014/main" id="{45B16BDC-8EA6-38EE-4938-C0D21E9C6638}"/>
+                <a16:creationId xmlns:a16="http://schemas.microsoft.com/office/drawing/2014/main" id="{DEBD6850-1C94-D1AB-5B92-7D9998317A2D}"/>
               </a:ext>
             </a:extLst>
           </p:cNvPr>
@@ -2357,7 +2357,7 @@
           <p:cNvPr id="5" name="日期占位符 4">
             <a:extLst>
               <a:ext uri="{FF2B5EF4-FFF2-40B4-BE49-F238E27FC236}">
-                <a16:creationId xmlns:a16="http://schemas.microsoft.com/office/drawing/2014/main" id="{93182CAC-EF46-CCCE-3FA3-79BE4B90FF7A}"/>
+                <a16:creationId xmlns:a16="http://schemas.microsoft.com/office/drawing/2014/main" id="{DDDE1419-4609-AC97-066B-8951E8444BF5}"/>
               </a:ext>
             </a:extLst>
           </p:cNvPr>
@@ -2373,7 +2373,7 @@
           <a:bodyPr/>
           <a:lstStyle/>
           <a:p>
-            <a:fld id="{09A170BD-D666-46CD-8061-868587B585D7}" type="datetimeFigureOut">
+            <a:fld id="{DCB9E4AD-E181-4CCC-9D3D-7547D80CD2D7}" type="datetimeFigureOut">
               <a:rPr lang="zh-CN" altLang="en-US" smtClean="0"/>
               <a:t>2024/3/10</a:t>
             </a:fld>
@@ -2386,7 +2386,7 @@
           <p:cNvPr id="6" name="页脚占位符 5">
             <a:extLst>
               <a:ext uri="{FF2B5EF4-FFF2-40B4-BE49-F238E27FC236}">
-                <a16:creationId xmlns:a16="http://schemas.microsoft.com/office/drawing/2014/main" id="{0665E01D-91E7-187C-14F0-7A219B4B42CB}"/>
+                <a16:creationId xmlns:a16="http://schemas.microsoft.com/office/drawing/2014/main" id="{F65C0740-8572-7EA7-A15B-530439FE9BCB}"/>
               </a:ext>
             </a:extLst>
           </p:cNvPr>
@@ -2411,7 +2411,7 @@
           <p:cNvPr id="7" name="灯片编号占位符 6">
             <a:extLst>
               <a:ext uri="{FF2B5EF4-FFF2-40B4-BE49-F238E27FC236}">
-                <a16:creationId xmlns:a16="http://schemas.microsoft.com/office/drawing/2014/main" id="{D888285C-E889-4111-477D-75C39A23915A}"/>
+                <a16:creationId xmlns:a16="http://schemas.microsoft.com/office/drawing/2014/main" id="{B5AF3FE7-3474-9886-70E0-70DC06CFD6BE}"/>
               </a:ext>
             </a:extLst>
           </p:cNvPr>
@@ -2427,7 +2427,7 @@
           <a:bodyPr/>
           <a:lstStyle/>
           <a:p>
-            <a:fld id="{995F1E52-9D43-420A-8239-4276EA022BAB}" type="slidenum">
+            <a:fld id="{5E1672E2-6288-41A2-836C-974FB4D37976}" type="slidenum">
               <a:rPr lang="zh-CN" altLang="en-US" smtClean="0"/>
               <a:t>‹#›</a:t>
             </a:fld>
@@ -2438,7 +2438,7 @@
     </p:spTree>
     <p:extLst>
       <p:ext uri="{BB962C8B-B14F-4D97-AF65-F5344CB8AC3E}">
-        <p14:creationId xmlns:p14="http://schemas.microsoft.com/office/powerpoint/2010/main" val="2259799294"/>
+        <p14:creationId xmlns:p14="http://schemas.microsoft.com/office/powerpoint/2010/main" val="3238476097"/>
       </p:ext>
     </p:extLst>
   </p:cSld>
@@ -2470,7 +2470,7 @@
           <p:cNvPr id="2" name="标题 1">
             <a:extLst>
               <a:ext uri="{FF2B5EF4-FFF2-40B4-BE49-F238E27FC236}">
-                <a16:creationId xmlns:a16="http://schemas.microsoft.com/office/drawing/2014/main" id="{A74DAE1D-47D7-1304-3DA1-12161D2524EB}"/>
+                <a16:creationId xmlns:a16="http://schemas.microsoft.com/office/drawing/2014/main" id="{CA6AB819-B4F7-FFD2-B695-E057182F7059}"/>
               </a:ext>
             </a:extLst>
           </p:cNvPr>
@@ -2507,7 +2507,7 @@
           <p:cNvPr id="3" name="图片占位符 2">
             <a:extLst>
               <a:ext uri="{FF2B5EF4-FFF2-40B4-BE49-F238E27FC236}">
-                <a16:creationId xmlns:a16="http://schemas.microsoft.com/office/drawing/2014/main" id="{13F62A6C-7BB5-AC3C-B7CF-7C7D4E10C6E5}"/>
+                <a16:creationId xmlns:a16="http://schemas.microsoft.com/office/drawing/2014/main" id="{32BB8523-FA42-E688-0438-678459A9611E}"/>
               </a:ext>
             </a:extLst>
           </p:cNvPr>
@@ -2574,7 +2574,7 @@
           <p:cNvPr id="4" name="文本占位符 3">
             <a:extLst>
               <a:ext uri="{FF2B5EF4-FFF2-40B4-BE49-F238E27FC236}">
-                <a16:creationId xmlns:a16="http://schemas.microsoft.com/office/drawing/2014/main" id="{F036E313-0987-CE75-71BC-115521BA3797}"/>
+                <a16:creationId xmlns:a16="http://schemas.microsoft.com/office/drawing/2014/main" id="{7CB04BF4-12A7-9771-3A88-744EC6F09250}"/>
               </a:ext>
             </a:extLst>
           </p:cNvPr>
@@ -2645,7 +2645,7 @@
           <p:cNvPr id="5" name="日期占位符 4">
             <a:extLst>
               <a:ext uri="{FF2B5EF4-FFF2-40B4-BE49-F238E27FC236}">
-                <a16:creationId xmlns:a16="http://schemas.microsoft.com/office/drawing/2014/main" id="{A2F1CC22-0265-8992-6BC0-F0EF55D263E7}"/>
+                <a16:creationId xmlns:a16="http://schemas.microsoft.com/office/drawing/2014/main" id="{5271CA06-5273-348D-04DC-C0F3FF9D191E}"/>
               </a:ext>
             </a:extLst>
           </p:cNvPr>
@@ -2661,7 +2661,7 @@
           <a:bodyPr/>
           <a:lstStyle/>
           <a:p>
-            <a:fld id="{09A170BD-D666-46CD-8061-868587B585D7}" type="datetimeFigureOut">
+            <a:fld id="{DCB9E4AD-E181-4CCC-9D3D-7547D80CD2D7}" type="datetimeFigureOut">
               <a:rPr lang="zh-CN" altLang="en-US" smtClean="0"/>
               <a:t>2024/3/10</a:t>
             </a:fld>
@@ -2674,7 +2674,7 @@
           <p:cNvPr id="6" name="页脚占位符 5">
             <a:extLst>
               <a:ext uri="{FF2B5EF4-FFF2-40B4-BE49-F238E27FC236}">
-                <a16:creationId xmlns:a16="http://schemas.microsoft.com/office/drawing/2014/main" id="{E572DD10-D43E-1D6C-BE37-516A65D36B1A}"/>
+                <a16:creationId xmlns:a16="http://schemas.microsoft.com/office/drawing/2014/main" id="{473B4011-4400-949E-8DD6-6FF87F032368}"/>
               </a:ext>
             </a:extLst>
           </p:cNvPr>
@@ -2699,7 +2699,7 @@
           <p:cNvPr id="7" name="灯片编号占位符 6">
             <a:extLst>
               <a:ext uri="{FF2B5EF4-FFF2-40B4-BE49-F238E27FC236}">
-                <a16:creationId xmlns:a16="http://schemas.microsoft.com/office/drawing/2014/main" id="{7FB70FC3-A6B9-CE5F-CF9B-B37EED514183}"/>
+                <a16:creationId xmlns:a16="http://schemas.microsoft.com/office/drawing/2014/main" id="{FA48AA5D-2430-1D0E-0FB0-6A01CFE367A4}"/>
               </a:ext>
             </a:extLst>
           </p:cNvPr>
@@ -2715,7 +2715,7 @@
           <a:bodyPr/>
           <a:lstStyle/>
           <a:p>
-            <a:fld id="{995F1E52-9D43-420A-8239-4276EA022BAB}" type="slidenum">
+            <a:fld id="{5E1672E2-6288-41A2-836C-974FB4D37976}" type="slidenum">
               <a:rPr lang="zh-CN" altLang="en-US" smtClean="0"/>
               <a:t>‹#›</a:t>
             </a:fld>
@@ -2726,7 +2726,7 @@
     </p:spTree>
     <p:extLst>
       <p:ext uri="{BB962C8B-B14F-4D97-AF65-F5344CB8AC3E}">
-        <p14:creationId xmlns:p14="http://schemas.microsoft.com/office/powerpoint/2010/main" val="1539935865"/>
+        <p14:creationId xmlns:p14="http://schemas.microsoft.com/office/powerpoint/2010/main" val="4134323702"/>
       </p:ext>
     </p:extLst>
   </p:cSld>
@@ -2763,7 +2763,7 @@
           <p:cNvPr id="2" name="标题占位符 1">
             <a:extLst>
               <a:ext uri="{FF2B5EF4-FFF2-40B4-BE49-F238E27FC236}">
-                <a16:creationId xmlns:a16="http://schemas.microsoft.com/office/drawing/2014/main" id="{0DD0959C-79BE-919F-A2C7-D94D335B90B4}"/>
+                <a16:creationId xmlns:a16="http://schemas.microsoft.com/office/drawing/2014/main" id="{114D6E16-DBB8-AB87-DF6E-5EC00D80E1BC}"/>
               </a:ext>
             </a:extLst>
           </p:cNvPr>
@@ -2801,7 +2801,7 @@
           <p:cNvPr id="3" name="文本占位符 2">
             <a:extLst>
               <a:ext uri="{FF2B5EF4-FFF2-40B4-BE49-F238E27FC236}">
-                <a16:creationId xmlns:a16="http://schemas.microsoft.com/office/drawing/2014/main" id="{44A2CEA7-06AF-8107-84BE-2F9A1A17F461}"/>
+                <a16:creationId xmlns:a16="http://schemas.microsoft.com/office/drawing/2014/main" id="{21E7FCFE-EE19-1247-C478-85D14C1C7EE9}"/>
               </a:ext>
             </a:extLst>
           </p:cNvPr>
@@ -2868,7 +2868,7 @@
           <p:cNvPr id="4" name="日期占位符 3">
             <a:extLst>
               <a:ext uri="{FF2B5EF4-FFF2-40B4-BE49-F238E27FC236}">
-                <a16:creationId xmlns:a16="http://schemas.microsoft.com/office/drawing/2014/main" id="{7D509B48-1D24-D052-AE79-3491A6FD68D2}"/>
+                <a16:creationId xmlns:a16="http://schemas.microsoft.com/office/drawing/2014/main" id="{DF0D18EF-11D4-4CEF-E943-E2812DFB5C78}"/>
               </a:ext>
             </a:extLst>
           </p:cNvPr>
@@ -2902,7 +2902,7 @@
             </a:lvl1pPr>
           </a:lstStyle>
           <a:p>
-            <a:fld id="{09A170BD-D666-46CD-8061-868587B585D7}" type="datetimeFigureOut">
+            <a:fld id="{DCB9E4AD-E181-4CCC-9D3D-7547D80CD2D7}" type="datetimeFigureOut">
               <a:rPr lang="zh-CN" altLang="en-US" smtClean="0"/>
               <a:t>2024/3/10</a:t>
             </a:fld>
@@ -2915,7 +2915,7 @@
           <p:cNvPr id="5" name="页脚占位符 4">
             <a:extLst>
               <a:ext uri="{FF2B5EF4-FFF2-40B4-BE49-F238E27FC236}">
-                <a16:creationId xmlns:a16="http://schemas.microsoft.com/office/drawing/2014/main" id="{A01B288F-8BA2-CA16-D374-2C7F65577654}"/>
+                <a16:creationId xmlns:a16="http://schemas.microsoft.com/office/drawing/2014/main" id="{9B6B0508-46CD-27F4-1904-977BABAE3FB9}"/>
               </a:ext>
             </a:extLst>
           </p:cNvPr>
@@ -2958,7 +2958,7 @@
           <p:cNvPr id="6" name="灯片编号占位符 5">
             <a:extLst>
               <a:ext uri="{FF2B5EF4-FFF2-40B4-BE49-F238E27FC236}">
-                <a16:creationId xmlns:a16="http://schemas.microsoft.com/office/drawing/2014/main" id="{41FB00D0-8700-6D65-0959-FE7FAF4E1931}"/>
+                <a16:creationId xmlns:a16="http://schemas.microsoft.com/office/drawing/2014/main" id="{4627C0BF-16A4-435C-E305-AE12D7EA15C0}"/>
               </a:ext>
             </a:extLst>
           </p:cNvPr>
@@ -2992,7 +2992,7 @@
             </a:lvl1pPr>
           </a:lstStyle>
           <a:p>
-            <a:fld id="{995F1E52-9D43-420A-8239-4276EA022BAB}" type="slidenum">
+            <a:fld id="{5E1672E2-6288-41A2-836C-974FB4D37976}" type="slidenum">
               <a:rPr lang="zh-CN" altLang="en-US" smtClean="0"/>
               <a:t>‹#›</a:t>
             </a:fld>
@@ -3003,7 +3003,7 @@
     </p:spTree>
     <p:extLst>
       <p:ext uri="{BB962C8B-B14F-4D97-AF65-F5344CB8AC3E}">
-        <p14:creationId xmlns:p14="http://schemas.microsoft.com/office/powerpoint/2010/main" val="187002814"/>
+        <p14:creationId xmlns:p14="http://schemas.microsoft.com/office/powerpoint/2010/main" val="2760700223"/>
       </p:ext>
     </p:extLst>
   </p:cSld>
@@ -3323,7 +3323,7 @@
       </p:grpSpPr>
       <p:pic>
         <p:nvPicPr>
-          <p:cNvPr id="1305602" name="Picture 2" descr="1274"/>
+          <p:cNvPr id="1306626" name="Picture 2" descr="1275"/>
           <p:cNvPicPr>
             <a:picLocks noChangeAspect="1" noChangeArrowheads="1"/>
           </p:cNvPicPr>
@@ -3344,8 +3344,8 @@
         </p:blipFill>
         <p:spPr bwMode="auto">
           <a:xfrm>
-            <a:off x="1524000" y="1"/>
-            <a:ext cx="9144000" cy="5300663"/>
+            <a:off x="1524000" y="0"/>
+            <a:ext cx="9144000" cy="6858000"/>
           </a:xfrm>
           <a:prstGeom prst="rect">
             <a:avLst/>
